--- a/ML Workshop Day 2/DecisionTree.pptx
+++ b/ML Workshop Day 2/DecisionTree.pptx
@@ -10,7 +10,11 @@
     <p:sldId id="258" r:id="rId4"/>
     <p:sldId id="259" r:id="rId5"/>
     <p:sldId id="260" r:id="rId6"/>
-    <p:sldId id="261" r:id="rId7"/>
+    <p:sldId id="263" r:id="rId7"/>
+    <p:sldId id="264" r:id="rId8"/>
+    <p:sldId id="265" r:id="rId9"/>
+    <p:sldId id="261" r:id="rId10"/>
+    <p:sldId id="262" r:id="rId11"/>
   </p:sldIdLst>
   <p:sldSz cx="12192000" cy="6858000"/>
   <p:notesSz cx="6858000" cy="9144000"/>
@@ -120,6 +124,7 @@
 <file path=ppt/revisionInfo.xml><?xml version="1.0" encoding="utf-8"?>
 <p1510:revInfo xmlns:a="http://schemas.openxmlformats.org/drawingml/2006/main" xmlns:r="http://schemas.openxmlformats.org/officeDocument/2006/relationships" xmlns:p1510="http://schemas.microsoft.com/office/powerpoint/2015/10/main">
   <p1510:revLst>
+    <p1510:client id="{0081D03B-A6B4-05A4-E008-8A7E0B69717C}" v="13" dt="2021-10-30T08:58:03.313"/>
     <p1510:client id="{5B5C1FF5-01E1-40FD-9854-A8B18F8316CA}" v="25" dt="2021-10-26T19:14:42.603"/>
     <p1510:client id="{70FCE730-9F1B-8D74-60DB-F1868E4CF636}" v="246" dt="2021-10-26T20:24:50.742"/>
     <p1510:client id="{81E6A48A-9A6A-FBF1-25BD-4D7553663A2E}" v="109" dt="2021-10-28T17:49:06.109"/>
@@ -127,6 +132,7 @@
     <p1510:client id="{A4DD9EAA-BB77-A2BF-A24D-2C1744643313}" v="45" dt="2021-10-28T18:01:27.544"/>
     <p1510:client id="{B74B4A41-C4EE-D5C8-BAA4-E0217EC5804F}" v="141" dt="2021-10-30T06:57:26.904"/>
     <p1510:client id="{C3004B87-3087-CAA5-9D8E-22E433AE4382}" v="2" dt="2021-10-28T17:05:52.594"/>
+    <p1510:client id="{C940E1DB-1E20-EB2F-4EE2-93CF970D3EDA}" v="24" dt="2021-10-30T08:48:29.156"/>
   </p1510:revLst>
 </p1510:revInfo>
 </file>
@@ -17694,6 +17700,66 @@
 </p:sld>
 </file>
 
+<file path=ppt/slides/slide10.xml><?xml version="1.0" encoding="utf-8"?>
+<p:sld xmlns:a="http://schemas.openxmlformats.org/drawingml/2006/main" xmlns:r="http://schemas.openxmlformats.org/officeDocument/2006/relationships" xmlns:p="http://schemas.openxmlformats.org/presentationml/2006/main">
+  <p:cSld>
+    <p:spTree>
+      <p:nvGrpSpPr>
+        <p:cNvPr id="1" name=""/>
+        <p:cNvGrpSpPr/>
+        <p:nvPr/>
+      </p:nvGrpSpPr>
+      <p:grpSpPr>
+        <a:xfrm>
+          <a:off x="0" y="0"/>
+          <a:ext cx="0" cy="0"/>
+          <a:chOff x="0" y="0"/>
+          <a:chExt cx="0" cy="0"/>
+        </a:xfrm>
+      </p:grpSpPr>
+      <p:pic>
+        <p:nvPicPr>
+          <p:cNvPr id="4" name="Picture 4">
+            <a:extLst>
+              <a:ext uri="{FF2B5EF4-FFF2-40B4-BE49-F238E27FC236}">
+                <a16:creationId xmlns:a16="http://schemas.microsoft.com/office/drawing/2014/main" id="{883B4182-982A-4549-9993-9C4A426825EE}"/>
+              </a:ext>
+            </a:extLst>
+          </p:cNvPr>
+          <p:cNvPicPr>
+            <a:picLocks noChangeAspect="1"/>
+          </p:cNvPicPr>
+          <p:nvPr/>
+        </p:nvPicPr>
+        <p:blipFill>
+          <a:blip r:embed="rId2"/>
+          <a:stretch>
+            <a:fillRect/>
+          </a:stretch>
+        </p:blipFill>
+        <p:spPr>
+          <a:xfrm>
+            <a:off x="-3908" y="4331"/>
+            <a:ext cx="11809045" cy="6566029"/>
+          </a:xfrm>
+          <a:prstGeom prst="rect">
+            <a:avLst/>
+          </a:prstGeom>
+        </p:spPr>
+      </p:pic>
+    </p:spTree>
+    <p:extLst>
+      <p:ext uri="{BB962C8B-B14F-4D97-AF65-F5344CB8AC3E}">
+        <p14:creationId xmlns:p14="http://schemas.microsoft.com/office/powerpoint/2010/main" val="3007517895"/>
+      </p:ext>
+    </p:extLst>
+  </p:cSld>
+  <p:clrMapOvr>
+    <a:masterClrMapping/>
+  </p:clrMapOvr>
+</p:sld>
+</file>
+
 <file path=ppt/slides/slide2.xml><?xml version="1.0" encoding="utf-8"?>
 <p:sld xmlns:a="http://schemas.openxmlformats.org/drawingml/2006/main" xmlns:r="http://schemas.openxmlformats.org/officeDocument/2006/relationships" xmlns:p="http://schemas.openxmlformats.org/presentationml/2006/main">
   <p:cSld>
@@ -21236,6 +21302,186 @@
 </file>
 
 <file path=ppt/slides/slide6.xml><?xml version="1.0" encoding="utf-8"?>
+<p:sld xmlns:a="http://schemas.openxmlformats.org/drawingml/2006/main" xmlns:r="http://schemas.openxmlformats.org/officeDocument/2006/relationships" xmlns:p="http://schemas.openxmlformats.org/presentationml/2006/main">
+  <p:cSld>
+    <p:spTree>
+      <p:nvGrpSpPr>
+        <p:cNvPr id="1" name=""/>
+        <p:cNvGrpSpPr/>
+        <p:nvPr/>
+      </p:nvGrpSpPr>
+      <p:grpSpPr>
+        <a:xfrm>
+          <a:off x="0" y="0"/>
+          <a:ext cx="0" cy="0"/>
+          <a:chOff x="0" y="0"/>
+          <a:chExt cx="0" cy="0"/>
+        </a:xfrm>
+      </p:grpSpPr>
+      <p:pic>
+        <p:nvPicPr>
+          <p:cNvPr id="4" name="Picture 4">
+            <a:extLst>
+              <a:ext uri="{FF2B5EF4-FFF2-40B4-BE49-F238E27FC236}">
+                <a16:creationId xmlns:a16="http://schemas.microsoft.com/office/drawing/2014/main" id="{9FFEE07A-BD4C-4DF3-AB39-149BEDD9C286}"/>
+              </a:ext>
+            </a:extLst>
+          </p:cNvPr>
+          <p:cNvPicPr>
+            <a:picLocks noChangeAspect="1"/>
+          </p:cNvPicPr>
+          <p:nvPr/>
+        </p:nvPicPr>
+        <p:blipFill>
+          <a:blip r:embed="rId2"/>
+          <a:stretch>
+            <a:fillRect/>
+          </a:stretch>
+        </p:blipFill>
+        <p:spPr>
+          <a:xfrm>
+            <a:off x="445477" y="605733"/>
+            <a:ext cx="11525738" cy="5753997"/>
+          </a:xfrm>
+          <a:prstGeom prst="rect">
+            <a:avLst/>
+          </a:prstGeom>
+        </p:spPr>
+      </p:pic>
+    </p:spTree>
+    <p:extLst>
+      <p:ext uri="{BB962C8B-B14F-4D97-AF65-F5344CB8AC3E}">
+        <p14:creationId xmlns:p14="http://schemas.microsoft.com/office/powerpoint/2010/main" val="3125577007"/>
+      </p:ext>
+    </p:extLst>
+  </p:cSld>
+  <p:clrMapOvr>
+    <a:masterClrMapping/>
+  </p:clrMapOvr>
+</p:sld>
+</file>
+
+<file path=ppt/slides/slide7.xml><?xml version="1.0" encoding="utf-8"?>
+<p:sld xmlns:a="http://schemas.openxmlformats.org/drawingml/2006/main" xmlns:r="http://schemas.openxmlformats.org/officeDocument/2006/relationships" xmlns:p="http://schemas.openxmlformats.org/presentationml/2006/main">
+  <p:cSld>
+    <p:spTree>
+      <p:nvGrpSpPr>
+        <p:cNvPr id="1" name=""/>
+        <p:cNvGrpSpPr/>
+        <p:nvPr/>
+      </p:nvGrpSpPr>
+      <p:grpSpPr>
+        <a:xfrm>
+          <a:off x="0" y="0"/>
+          <a:ext cx="0" cy="0"/>
+          <a:chOff x="0" y="0"/>
+          <a:chExt cx="0" cy="0"/>
+        </a:xfrm>
+      </p:grpSpPr>
+      <p:pic>
+        <p:nvPicPr>
+          <p:cNvPr id="4" name="Picture 4">
+            <a:extLst>
+              <a:ext uri="{FF2B5EF4-FFF2-40B4-BE49-F238E27FC236}">
+                <a16:creationId xmlns:a16="http://schemas.microsoft.com/office/drawing/2014/main" id="{4D182002-599F-42A7-BB2D-C4AA2672D195}"/>
+              </a:ext>
+            </a:extLst>
+          </p:cNvPr>
+          <p:cNvPicPr>
+            <a:picLocks noChangeAspect="1"/>
+          </p:cNvPicPr>
+          <p:nvPr/>
+        </p:nvPicPr>
+        <p:blipFill>
+          <a:blip r:embed="rId2"/>
+          <a:stretch>
+            <a:fillRect/>
+          </a:stretch>
+        </p:blipFill>
+        <p:spPr>
+          <a:xfrm>
+            <a:off x="-3907" y="245"/>
+            <a:ext cx="12199814" cy="6857510"/>
+          </a:xfrm>
+          <a:prstGeom prst="rect">
+            <a:avLst/>
+          </a:prstGeom>
+        </p:spPr>
+      </p:pic>
+    </p:spTree>
+    <p:extLst>
+      <p:ext uri="{BB962C8B-B14F-4D97-AF65-F5344CB8AC3E}">
+        <p14:creationId xmlns:p14="http://schemas.microsoft.com/office/powerpoint/2010/main" val="3977462010"/>
+      </p:ext>
+    </p:extLst>
+  </p:cSld>
+  <p:clrMapOvr>
+    <a:masterClrMapping/>
+  </p:clrMapOvr>
+</p:sld>
+</file>
+
+<file path=ppt/slides/slide8.xml><?xml version="1.0" encoding="utf-8"?>
+<p:sld xmlns:a="http://schemas.openxmlformats.org/drawingml/2006/main" xmlns:r="http://schemas.openxmlformats.org/officeDocument/2006/relationships" xmlns:p="http://schemas.openxmlformats.org/presentationml/2006/main">
+  <p:cSld>
+    <p:spTree>
+      <p:nvGrpSpPr>
+        <p:cNvPr id="1" name=""/>
+        <p:cNvGrpSpPr/>
+        <p:nvPr/>
+      </p:nvGrpSpPr>
+      <p:grpSpPr>
+        <a:xfrm>
+          <a:off x="0" y="0"/>
+          <a:ext cx="0" cy="0"/>
+          <a:chOff x="0" y="0"/>
+          <a:chExt cx="0" cy="0"/>
+        </a:xfrm>
+      </p:grpSpPr>
+      <p:pic>
+        <p:nvPicPr>
+          <p:cNvPr id="4" name="Picture 4" descr="Diagram&#10;&#10;Description automatically generated">
+            <a:extLst>
+              <a:ext uri="{FF2B5EF4-FFF2-40B4-BE49-F238E27FC236}">
+                <a16:creationId xmlns:a16="http://schemas.microsoft.com/office/drawing/2014/main" id="{81FB9712-4881-4F66-AD22-02C9DF14F50A}"/>
+              </a:ext>
+            </a:extLst>
+          </p:cNvPr>
+          <p:cNvPicPr>
+            <a:picLocks noChangeAspect="1"/>
+          </p:cNvPicPr>
+          <p:nvPr/>
+        </p:nvPicPr>
+        <p:blipFill>
+          <a:blip r:embed="rId2"/>
+          <a:stretch>
+            <a:fillRect/>
+          </a:stretch>
+        </p:blipFill>
+        <p:spPr>
+          <a:xfrm>
+            <a:off x="660400" y="-2930"/>
+            <a:ext cx="11379199" cy="6863860"/>
+          </a:xfrm>
+          <a:prstGeom prst="rect">
+            <a:avLst/>
+          </a:prstGeom>
+        </p:spPr>
+      </p:pic>
+    </p:spTree>
+    <p:extLst>
+      <p:ext uri="{BB962C8B-B14F-4D97-AF65-F5344CB8AC3E}">
+        <p14:creationId xmlns:p14="http://schemas.microsoft.com/office/powerpoint/2010/main" val="1590585782"/>
+      </p:ext>
+    </p:extLst>
+  </p:cSld>
+  <p:clrMapOvr>
+    <a:masterClrMapping/>
+  </p:clrMapOvr>
+</p:sld>
+</file>
+
+<file path=ppt/slides/slide9.xml><?xml version="1.0" encoding="utf-8"?>
 <p:sld xmlns:a="http://schemas.openxmlformats.org/drawingml/2006/main" xmlns:r="http://schemas.openxmlformats.org/officeDocument/2006/relationships" xmlns:p="http://schemas.openxmlformats.org/presentationml/2006/main">
   <p:cSld>
     <p:bg>
